--- a/files/images/0-content.pptx
+++ b/files/images/0-content.pptx
@@ -259,7 +259,7 @@
           <a:p>
             <a:fld id="{FF00D453-8102-4B4A-AF81-72600CBD5CDD}" type="datetimeFigureOut">
               <a:rPr lang="en-US" smtClean="0"/>
-              <a:t>6/2/24</a:t>
+              <a:t>8/23/24</a:t>
             </a:fld>
             <a:endParaRPr lang="en-US"/>
           </a:p>
@@ -457,7 +457,7 @@
           <a:p>
             <a:fld id="{FF00D453-8102-4B4A-AF81-72600CBD5CDD}" type="datetimeFigureOut">
               <a:rPr lang="en-US" smtClean="0"/>
-              <a:t>6/2/24</a:t>
+              <a:t>8/23/24</a:t>
             </a:fld>
             <a:endParaRPr lang="en-US"/>
           </a:p>
@@ -665,7 +665,7 @@
           <a:p>
             <a:fld id="{FF00D453-8102-4B4A-AF81-72600CBD5CDD}" type="datetimeFigureOut">
               <a:rPr lang="en-US" smtClean="0"/>
-              <a:t>6/2/24</a:t>
+              <a:t>8/23/24</a:t>
             </a:fld>
             <a:endParaRPr lang="en-US"/>
           </a:p>
@@ -863,7 +863,7 @@
           <a:p>
             <a:fld id="{FF00D453-8102-4B4A-AF81-72600CBD5CDD}" type="datetimeFigureOut">
               <a:rPr lang="en-US" smtClean="0"/>
-              <a:t>6/2/24</a:t>
+              <a:t>8/23/24</a:t>
             </a:fld>
             <a:endParaRPr lang="en-US"/>
           </a:p>
@@ -1138,7 +1138,7 @@
           <a:p>
             <a:fld id="{FF00D453-8102-4B4A-AF81-72600CBD5CDD}" type="datetimeFigureOut">
               <a:rPr lang="en-US" smtClean="0"/>
-              <a:t>6/2/24</a:t>
+              <a:t>8/23/24</a:t>
             </a:fld>
             <a:endParaRPr lang="en-US"/>
           </a:p>
@@ -1403,7 +1403,7 @@
           <a:p>
             <a:fld id="{FF00D453-8102-4B4A-AF81-72600CBD5CDD}" type="datetimeFigureOut">
               <a:rPr lang="en-US" smtClean="0"/>
-              <a:t>6/2/24</a:t>
+              <a:t>8/23/24</a:t>
             </a:fld>
             <a:endParaRPr lang="en-US"/>
           </a:p>
@@ -1815,7 +1815,7 @@
           <a:p>
             <a:fld id="{FF00D453-8102-4B4A-AF81-72600CBD5CDD}" type="datetimeFigureOut">
               <a:rPr lang="en-US" smtClean="0"/>
-              <a:t>6/2/24</a:t>
+              <a:t>8/23/24</a:t>
             </a:fld>
             <a:endParaRPr lang="en-US"/>
           </a:p>
@@ -1956,7 +1956,7 @@
           <a:p>
             <a:fld id="{FF00D453-8102-4B4A-AF81-72600CBD5CDD}" type="datetimeFigureOut">
               <a:rPr lang="en-US" smtClean="0"/>
-              <a:t>6/2/24</a:t>
+              <a:t>8/23/24</a:t>
             </a:fld>
             <a:endParaRPr lang="en-US"/>
           </a:p>
@@ -2069,7 +2069,7 @@
           <a:p>
             <a:fld id="{FF00D453-8102-4B4A-AF81-72600CBD5CDD}" type="datetimeFigureOut">
               <a:rPr lang="en-US" smtClean="0"/>
-              <a:t>6/2/24</a:t>
+              <a:t>8/23/24</a:t>
             </a:fld>
             <a:endParaRPr lang="en-US"/>
           </a:p>
@@ -2380,7 +2380,7 @@
           <a:p>
             <a:fld id="{FF00D453-8102-4B4A-AF81-72600CBD5CDD}" type="datetimeFigureOut">
               <a:rPr lang="en-US" smtClean="0"/>
-              <a:t>6/2/24</a:t>
+              <a:t>8/23/24</a:t>
             </a:fld>
             <a:endParaRPr lang="en-US"/>
           </a:p>
@@ -2668,7 +2668,7 @@
           <a:p>
             <a:fld id="{FF00D453-8102-4B4A-AF81-72600CBD5CDD}" type="datetimeFigureOut">
               <a:rPr lang="en-US" smtClean="0"/>
-              <a:t>6/2/24</a:t>
+              <a:t>8/23/24</a:t>
             </a:fld>
             <a:endParaRPr lang="en-US"/>
           </a:p>
@@ -2909,7 +2909,7 @@
           <a:p>
             <a:fld id="{FF00D453-8102-4B4A-AF81-72600CBD5CDD}" type="datetimeFigureOut">
               <a:rPr lang="en-US" smtClean="0"/>
-              <a:t>6/2/24</a:t>
+              <a:t>8/23/24</a:t>
             </a:fld>
             <a:endParaRPr lang="en-US"/>
           </a:p>
@@ -3326,6 +3326,393 @@
           <a:chExt cx="0" cy="0"/>
         </a:xfrm>
       </p:grpSpPr>
+      <p:pic>
+        <p:nvPicPr>
+          <p:cNvPr id="3" name="Picture 2">
+            <a:extLst>
+              <a:ext uri="{FF2B5EF4-FFF2-40B4-BE49-F238E27FC236}">
+                <a16:creationId xmlns:a16="http://schemas.microsoft.com/office/drawing/2014/main" id="{4912048F-D68A-15F7-0D86-B1C159D5EED7}"/>
+              </a:ext>
+            </a:extLst>
+          </p:cNvPr>
+          <p:cNvPicPr>
+            <a:picLocks noChangeAspect="1"/>
+          </p:cNvPicPr>
+          <p:nvPr/>
+        </p:nvPicPr>
+        <p:blipFill>
+          <a:blip r:embed="rId2"/>
+          <a:stretch>
+            <a:fillRect/>
+          </a:stretch>
+        </p:blipFill>
+        <p:spPr>
+          <a:xfrm>
+            <a:off x="1301750" y="2679700"/>
+            <a:ext cx="5016500" cy="2260600"/>
+          </a:xfrm>
+          <a:prstGeom prst="rect">
+            <a:avLst/>
+          </a:prstGeom>
+        </p:spPr>
+      </p:pic>
+      <p:pic>
+        <p:nvPicPr>
+          <p:cNvPr id="5" name="Picture 4">
+            <a:extLst>
+              <a:ext uri="{FF2B5EF4-FFF2-40B4-BE49-F238E27FC236}">
+                <a16:creationId xmlns:a16="http://schemas.microsoft.com/office/drawing/2014/main" id="{79ED4E85-A718-2DFA-1C7E-1BB37666C108}"/>
+              </a:ext>
+            </a:extLst>
+          </p:cNvPr>
+          <p:cNvPicPr>
+            <a:picLocks noChangeAspect="1"/>
+          </p:cNvPicPr>
+          <p:nvPr/>
+        </p:nvPicPr>
+        <p:blipFill>
+          <a:blip r:embed="rId3"/>
+          <a:stretch>
+            <a:fillRect/>
+          </a:stretch>
+        </p:blipFill>
+        <p:spPr>
+          <a:xfrm>
+            <a:off x="6318250" y="2679700"/>
+            <a:ext cx="5016500" cy="2260600"/>
+          </a:xfrm>
+          <a:prstGeom prst="rect">
+            <a:avLst/>
+          </a:prstGeom>
+        </p:spPr>
+      </p:pic>
+      <p:sp>
+        <p:nvSpPr>
+          <p:cNvPr id="6" name="TextBox 5">
+            <a:extLst>
+              <a:ext uri="{FF2B5EF4-FFF2-40B4-BE49-F238E27FC236}">
+                <a16:creationId xmlns:a16="http://schemas.microsoft.com/office/drawing/2014/main" id="{A9EC4705-A0D6-D483-7D06-BADAB1EB4E03}"/>
+              </a:ext>
+            </a:extLst>
+          </p:cNvPr>
+          <p:cNvSpPr txBox="1"/>
+          <p:nvPr/>
+        </p:nvSpPr>
+        <p:spPr>
+          <a:xfrm>
+            <a:off x="2638397" y="2394858"/>
+            <a:ext cx="2343206" cy="369332"/>
+          </a:xfrm>
+          <a:prstGeom prst="rect">
+            <a:avLst/>
+          </a:prstGeom>
+          <a:noFill/>
+        </p:spPr>
+        <p:txBody>
+          <a:bodyPr wrap="none" rtlCol="0">
+            <a:spAutoFit/>
+          </a:bodyPr>
+          <a:lstStyle/>
+          <a:p>
+            <a:r>
+              <a:rPr lang="en-US" dirty="0"/>
+              <a:t>Summarized raw data</a:t>
+            </a:r>
+          </a:p>
+        </p:txBody>
+      </p:sp>
+      <p:sp>
+        <p:nvSpPr>
+          <p:cNvPr id="7" name="TextBox 6">
+            <a:extLst>
+              <a:ext uri="{FF2B5EF4-FFF2-40B4-BE49-F238E27FC236}">
+                <a16:creationId xmlns:a16="http://schemas.microsoft.com/office/drawing/2014/main" id="{0E5DB437-DB57-D54B-D1AE-B56882B52855}"/>
+              </a:ext>
+            </a:extLst>
+          </p:cNvPr>
+          <p:cNvSpPr txBox="1"/>
+          <p:nvPr/>
+        </p:nvSpPr>
+        <p:spPr>
+          <a:xfrm>
+            <a:off x="6318250" y="2394858"/>
+            <a:ext cx="5092484" cy="369332"/>
+          </a:xfrm>
+          <a:prstGeom prst="rect">
+            <a:avLst/>
+          </a:prstGeom>
+          <a:noFill/>
+        </p:spPr>
+        <p:txBody>
+          <a:bodyPr wrap="none" rtlCol="0">
+            <a:spAutoFit/>
+          </a:bodyPr>
+          <a:lstStyle/>
+          <a:p>
+            <a:r>
+              <a:rPr lang="en-US" dirty="0"/>
+              <a:t>Conditional probabilities used for Bayes classifier</a:t>
+            </a:r>
+          </a:p>
+        </p:txBody>
+      </p:sp>
+      <mc:AlternateContent xmlns:mc="http://schemas.openxmlformats.org/markup-compatibility/2006">
+        <mc:Choice xmlns:a14="http://schemas.microsoft.com/office/drawing/2010/main" Requires="a14">
+          <p:sp>
+            <p:nvSpPr>
+              <p:cNvPr id="8" name="TextBox 7">
+                <a:extLst>
+                  <a:ext uri="{FF2B5EF4-FFF2-40B4-BE49-F238E27FC236}">
+                    <a16:creationId xmlns:a16="http://schemas.microsoft.com/office/drawing/2014/main" id="{CA99A286-A1B2-6D00-6D09-53C513F77791}"/>
+                  </a:ext>
+                </a:extLst>
+              </p:cNvPr>
+              <p:cNvSpPr txBox="1"/>
+              <p:nvPr/>
+            </p:nvSpPr>
+            <p:spPr>
+              <a:xfrm>
+                <a:off x="5982613" y="5301343"/>
+                <a:ext cx="5763757" cy="669094"/>
+              </a:xfrm>
+              <a:prstGeom prst="rect">
+                <a:avLst/>
+              </a:prstGeom>
+              <a:noFill/>
+            </p:spPr>
+            <p:txBody>
+              <a:bodyPr wrap="none" rtlCol="0">
+                <a:spAutoFit/>
+              </a:bodyPr>
+              <a:lstStyle/>
+              <a:p>
+                <a14:m>
+                  <m:oMathPara xmlns:m="http://schemas.openxmlformats.org/officeDocument/2006/math">
+                    <m:oMathParaPr>
+                      <m:jc m:val="centerGroup"/>
+                    </m:oMathParaPr>
+                    <m:oMath xmlns:m="http://schemas.openxmlformats.org/officeDocument/2006/math">
+                      <m:r>
+                        <a:rPr lang="en-US" b="0" i="1" smtClean="0">
+                          <a:latin typeface="Cambria Math" panose="02040503050406030204" pitchFamily="18" charset="0"/>
+                        </a:rPr>
+                        <m:t>𝑃</m:t>
+                      </m:r>
+                      <m:d>
+                        <m:dPr>
+                          <m:sepChr m:val="∣"/>
+                          <m:ctrlPr>
+                            <a:rPr lang="en-US" b="0" i="1" smtClean="0">
+                              <a:latin typeface="Cambria Math" panose="02040503050406030204" pitchFamily="18" charset="0"/>
+                            </a:rPr>
+                          </m:ctrlPr>
+                        </m:dPr>
+                        <m:e>
+                          <m:r>
+                            <a:rPr lang="en-US" b="0" i="1" smtClean="0">
+                              <a:latin typeface="Cambria Math" panose="02040503050406030204" pitchFamily="18" charset="0"/>
+                            </a:rPr>
+                            <m:t>𝑌</m:t>
+                          </m:r>
+                          <m:r>
+                            <a:rPr lang="en-US" b="0" i="1" smtClean="0">
+                              <a:latin typeface="Cambria Math" panose="02040503050406030204" pitchFamily="18" charset="0"/>
+                            </a:rPr>
+                            <m:t>=</m:t>
+                          </m:r>
+                          <m:r>
+                            <a:rPr lang="en-US" b="0" i="1" smtClean="0">
+                              <a:latin typeface="Cambria Math" panose="02040503050406030204" pitchFamily="18" charset="0"/>
+                            </a:rPr>
+                            <m:t>𝑏𝑎𝑑</m:t>
+                          </m:r>
+                        </m:e>
+                        <m:e>
+                          <m:r>
+                            <a:rPr lang="en-US" b="0" i="1" smtClean="0">
+                              <a:latin typeface="Cambria Math" panose="02040503050406030204" pitchFamily="18" charset="0"/>
+                            </a:rPr>
+                            <m:t>𝑋</m:t>
+                          </m:r>
+                          <m:r>
+                            <a:rPr lang="en-US" b="0" i="1" smtClean="0">
+                              <a:latin typeface="Cambria Math" panose="02040503050406030204" pitchFamily="18" charset="0"/>
+                            </a:rPr>
+                            <m:t>=0</m:t>
+                          </m:r>
+                        </m:e>
+                      </m:d>
+                      <m:r>
+                        <a:rPr lang="en-US" b="0" i="1" smtClean="0">
+                          <a:latin typeface="Cambria Math" panose="02040503050406030204" pitchFamily="18" charset="0"/>
+                        </a:rPr>
+                        <m:t>=</m:t>
+                      </m:r>
+                      <m:f>
+                        <m:fPr>
+                          <m:ctrlPr>
+                            <a:rPr lang="en-US" b="0" i="1" smtClean="0">
+                              <a:latin typeface="Cambria Math" panose="02040503050406030204" pitchFamily="18" charset="0"/>
+                            </a:rPr>
+                          </m:ctrlPr>
+                        </m:fPr>
+                        <m:num>
+                          <m:r>
+                            <a:rPr lang="en-US" b="0" i="1" smtClean="0">
+                              <a:latin typeface="Cambria Math" panose="02040503050406030204" pitchFamily="18" charset="0"/>
+                            </a:rPr>
+                            <m:t>𝑛</m:t>
+                          </m:r>
+                          <m:r>
+                            <a:rPr lang="en-US" b="0" i="1" smtClean="0">
+                              <a:latin typeface="Cambria Math" panose="02040503050406030204" pitchFamily="18" charset="0"/>
+                            </a:rPr>
+                            <m:t>(</m:t>
+                          </m:r>
+                          <m:r>
+                            <a:rPr lang="en-US" b="0" i="1" smtClean="0">
+                              <a:latin typeface="Cambria Math" panose="02040503050406030204" pitchFamily="18" charset="0"/>
+                            </a:rPr>
+                            <m:t>𝐵𝑎𝑑</m:t>
+                          </m:r>
+                          <m:r>
+                            <a:rPr lang="en-US" b="0" i="1" smtClean="0">
+                              <a:latin typeface="Cambria Math" panose="02040503050406030204" pitchFamily="18" charset="0"/>
+                            </a:rPr>
+                            <m:t> ∩</m:t>
+                          </m:r>
+                          <m:r>
+                            <a:rPr lang="en-US" b="0" i="1" smtClean="0">
+                              <a:latin typeface="Cambria Math" panose="02040503050406030204" pitchFamily="18" charset="0"/>
+                              <a:ea typeface="Cambria Math" panose="02040503050406030204" pitchFamily="18" charset="0"/>
+                            </a:rPr>
+                            <m:t>𝑋</m:t>
+                          </m:r>
+                          <m:r>
+                            <a:rPr lang="en-US" b="0" i="1" smtClean="0">
+                              <a:latin typeface="Cambria Math" panose="02040503050406030204" pitchFamily="18" charset="0"/>
+                              <a:ea typeface="Cambria Math" panose="02040503050406030204" pitchFamily="18" charset="0"/>
+                            </a:rPr>
+                            <m:t>=0)</m:t>
+                          </m:r>
+                        </m:num>
+                        <m:den>
+                          <m:r>
+                            <a:rPr lang="en-US" b="0" i="1" smtClean="0">
+                              <a:latin typeface="Cambria Math" panose="02040503050406030204" pitchFamily="18" charset="0"/>
+                            </a:rPr>
+                            <m:t>𝑛</m:t>
+                          </m:r>
+                          <m:r>
+                            <a:rPr lang="en-US" b="0" i="1" smtClean="0">
+                              <a:latin typeface="Cambria Math" panose="02040503050406030204" pitchFamily="18" charset="0"/>
+                            </a:rPr>
+                            <m:t>(</m:t>
+                          </m:r>
+                          <m:r>
+                            <a:rPr lang="en-US" b="0" i="1" smtClean="0">
+                              <a:latin typeface="Cambria Math" panose="02040503050406030204" pitchFamily="18" charset="0"/>
+                            </a:rPr>
+                            <m:t>𝑋</m:t>
+                          </m:r>
+                          <m:r>
+                            <a:rPr lang="en-US" b="0" i="1" smtClean="0">
+                              <a:latin typeface="Cambria Math" panose="02040503050406030204" pitchFamily="18" charset="0"/>
+                            </a:rPr>
+                            <m:t>=0)</m:t>
+                          </m:r>
+                        </m:den>
+                      </m:f>
+                      <m:r>
+                        <a:rPr lang="en-US" b="0" i="1" smtClean="0">
+                          <a:latin typeface="Cambria Math" panose="02040503050406030204" pitchFamily="18" charset="0"/>
+                        </a:rPr>
+                        <m:t>=</m:t>
+                      </m:r>
+                      <m:f>
+                        <m:fPr>
+                          <m:ctrlPr>
+                            <a:rPr lang="en-US" b="0" i="1" smtClean="0">
+                              <a:latin typeface="Cambria Math" panose="02040503050406030204" pitchFamily="18" charset="0"/>
+                            </a:rPr>
+                          </m:ctrlPr>
+                        </m:fPr>
+                        <m:num>
+                          <m:r>
+                            <a:rPr lang="en-US" b="0" i="1" smtClean="0">
+                              <a:latin typeface="Cambria Math" panose="02040503050406030204" pitchFamily="18" charset="0"/>
+                            </a:rPr>
+                            <m:t>42</m:t>
+                          </m:r>
+                        </m:num>
+                        <m:den>
+                          <m:r>
+                            <a:rPr lang="en-US" b="0" i="1" smtClean="0">
+                              <a:latin typeface="Cambria Math" panose="02040503050406030204" pitchFamily="18" charset="0"/>
+                            </a:rPr>
+                            <m:t>57</m:t>
+                          </m:r>
+                        </m:den>
+                      </m:f>
+                      <m:r>
+                        <a:rPr lang="en-US" b="0" i="1" smtClean="0">
+                          <a:latin typeface="Cambria Math" panose="02040503050406030204" pitchFamily="18" charset="0"/>
+                        </a:rPr>
+                        <m:t>=0.7368</m:t>
+                      </m:r>
+                    </m:oMath>
+                  </m:oMathPara>
+                </a14:m>
+                <a:endParaRPr lang="en-US" dirty="0"/>
+              </a:p>
+            </p:txBody>
+          </p:sp>
+        </mc:Choice>
+        <mc:Fallback>
+          <p:sp>
+            <p:nvSpPr>
+              <p:cNvPr id="8" name="TextBox 7">
+                <a:extLst>
+                  <a:ext uri="{FF2B5EF4-FFF2-40B4-BE49-F238E27FC236}">
+                    <a16:creationId xmlns:a16="http://schemas.microsoft.com/office/drawing/2014/main" id="{CA99A286-A1B2-6D00-6D09-53C513F77791}"/>
+                  </a:ext>
+                </a:extLst>
+              </p:cNvPr>
+              <p:cNvSpPr txBox="1">
+                <a:spLocks noRot="1" noChangeAspect="1" noMove="1" noResize="1" noEditPoints="1" noAdjustHandles="1" noChangeArrowheads="1" noChangeShapeType="1" noTextEdit="1"/>
+              </p:cNvSpPr>
+              <p:nvPr/>
+            </p:nvSpPr>
+            <p:spPr>
+              <a:xfrm>
+                <a:off x="5982613" y="5301343"/>
+                <a:ext cx="5763757" cy="669094"/>
+              </a:xfrm>
+              <a:prstGeom prst="rect">
+                <a:avLst/>
+              </a:prstGeom>
+              <a:blipFill>
+                <a:blip r:embed="rId4"/>
+                <a:stretch>
+                  <a:fillRect b="-9434"/>
+                </a:stretch>
+              </a:blipFill>
+            </p:spPr>
+            <p:txBody>
+              <a:bodyPr/>
+              <a:lstStyle/>
+              <a:p>
+                <a:r>
+                  <a:rPr lang="en-US">
+                    <a:noFill/>
+                  </a:rPr>
+                  <a:t> </a:t>
+                </a:r>
+              </a:p>
+            </p:txBody>
+          </p:sp>
+        </mc:Fallback>
+      </mc:AlternateContent>
     </p:spTree>
     <p:extLst>
       <p:ext uri="{BB962C8B-B14F-4D97-AF65-F5344CB8AC3E}">
